--- a/TODO/Conception/Maquette/maquette.pptx
+++ b/TODO/Conception/Maquette/maquette.pptx
@@ -27,14 +27,14 @@
     <p:sldId id="264" r:id="rId18"/>
     <p:sldId id="265" r:id="rId19"/>
     <p:sldId id="266" r:id="rId20"/>
-    <p:sldId id="268" r:id="rId21"/>
-    <p:sldId id="270" r:id="rId22"/>
-    <p:sldId id="271" r:id="rId23"/>
-    <p:sldId id="272" r:id="rId24"/>
-    <p:sldId id="273" r:id="rId25"/>
-    <p:sldId id="274" r:id="rId26"/>
-    <p:sldId id="275" r:id="rId27"/>
-    <p:sldId id="285" r:id="rId28"/>
+    <p:sldId id="285" r:id="rId21"/>
+    <p:sldId id="268" r:id="rId22"/>
+    <p:sldId id="270" r:id="rId23"/>
+    <p:sldId id="271" r:id="rId24"/>
+    <p:sldId id="272" r:id="rId25"/>
+    <p:sldId id="273" r:id="rId26"/>
+    <p:sldId id="274" r:id="rId27"/>
+    <p:sldId id="275" r:id="rId28"/>
     <p:sldId id="276" r:id="rId29"/>
   </p:sldIdLst>
   <p:sldSz cx="12192000" cy="6858000"/>
@@ -224,7 +224,7 @@
           <a:p>
             <a:fld id="{C7C98C76-61C0-4527-AD05-0DC0178CD55B}" type="datetimeFigureOut">
               <a:rPr lang="fr-FR" smtClean="0"/>
-              <a:t>11/06/2025</a:t>
+              <a:t>02/07/2025</a:t>
             </a:fld>
             <a:endParaRPr lang="fr-FR"/>
           </a:p>
@@ -638,7 +638,7 @@
           <a:p>
             <a:fld id="{569B09DC-DBCF-419E-A8D6-8BF4E7A634C3}" type="datetimeFigureOut">
               <a:rPr lang="fr-FR" smtClean="0"/>
-              <a:t>11/06/2025</a:t>
+              <a:t>02/07/2025</a:t>
             </a:fld>
             <a:endParaRPr lang="fr-FR"/>
           </a:p>
@@ -836,7 +836,7 @@
           <a:p>
             <a:fld id="{569B09DC-DBCF-419E-A8D6-8BF4E7A634C3}" type="datetimeFigureOut">
               <a:rPr lang="fr-FR" smtClean="0"/>
-              <a:t>11/06/2025</a:t>
+              <a:t>02/07/2025</a:t>
             </a:fld>
             <a:endParaRPr lang="fr-FR"/>
           </a:p>
@@ -1044,7 +1044,7 @@
           <a:p>
             <a:fld id="{569B09DC-DBCF-419E-A8D6-8BF4E7A634C3}" type="datetimeFigureOut">
               <a:rPr lang="fr-FR" smtClean="0"/>
-              <a:t>11/06/2025</a:t>
+              <a:t>02/07/2025</a:t>
             </a:fld>
             <a:endParaRPr lang="fr-FR"/>
           </a:p>
@@ -1242,7 +1242,7 @@
           <a:p>
             <a:fld id="{569B09DC-DBCF-419E-A8D6-8BF4E7A634C3}" type="datetimeFigureOut">
               <a:rPr lang="fr-FR" smtClean="0"/>
-              <a:t>11/06/2025</a:t>
+              <a:t>02/07/2025</a:t>
             </a:fld>
             <a:endParaRPr lang="fr-FR"/>
           </a:p>
@@ -1517,7 +1517,7 @@
           <a:p>
             <a:fld id="{569B09DC-DBCF-419E-A8D6-8BF4E7A634C3}" type="datetimeFigureOut">
               <a:rPr lang="fr-FR" smtClean="0"/>
-              <a:t>11/06/2025</a:t>
+              <a:t>02/07/2025</a:t>
             </a:fld>
             <a:endParaRPr lang="fr-FR"/>
           </a:p>
@@ -1782,7 +1782,7 @@
           <a:p>
             <a:fld id="{569B09DC-DBCF-419E-A8D6-8BF4E7A634C3}" type="datetimeFigureOut">
               <a:rPr lang="fr-FR" smtClean="0"/>
-              <a:t>11/06/2025</a:t>
+              <a:t>02/07/2025</a:t>
             </a:fld>
             <a:endParaRPr lang="fr-FR"/>
           </a:p>
@@ -2194,7 +2194,7 @@
           <a:p>
             <a:fld id="{569B09DC-DBCF-419E-A8D6-8BF4E7A634C3}" type="datetimeFigureOut">
               <a:rPr lang="fr-FR" smtClean="0"/>
-              <a:t>11/06/2025</a:t>
+              <a:t>02/07/2025</a:t>
             </a:fld>
             <a:endParaRPr lang="fr-FR"/>
           </a:p>
@@ -2335,7 +2335,7 @@
           <a:p>
             <a:fld id="{569B09DC-DBCF-419E-A8D6-8BF4E7A634C3}" type="datetimeFigureOut">
               <a:rPr lang="fr-FR" smtClean="0"/>
-              <a:t>11/06/2025</a:t>
+              <a:t>02/07/2025</a:t>
             </a:fld>
             <a:endParaRPr lang="fr-FR"/>
           </a:p>
@@ -2448,7 +2448,7 @@
           <a:p>
             <a:fld id="{569B09DC-DBCF-419E-A8D6-8BF4E7A634C3}" type="datetimeFigureOut">
               <a:rPr lang="fr-FR" smtClean="0"/>
-              <a:t>11/06/2025</a:t>
+              <a:t>02/07/2025</a:t>
             </a:fld>
             <a:endParaRPr lang="fr-FR"/>
           </a:p>
@@ -2759,7 +2759,7 @@
           <a:p>
             <a:fld id="{569B09DC-DBCF-419E-A8D6-8BF4E7A634C3}" type="datetimeFigureOut">
               <a:rPr lang="fr-FR" smtClean="0"/>
-              <a:t>11/06/2025</a:t>
+              <a:t>02/07/2025</a:t>
             </a:fld>
             <a:endParaRPr lang="fr-FR"/>
           </a:p>
@@ -3047,7 +3047,7 @@
           <a:p>
             <a:fld id="{569B09DC-DBCF-419E-A8D6-8BF4E7A634C3}" type="datetimeFigureOut">
               <a:rPr lang="fr-FR" smtClean="0"/>
-              <a:t>11/06/2025</a:t>
+              <a:t>02/07/2025</a:t>
             </a:fld>
             <a:endParaRPr lang="fr-FR"/>
           </a:p>
@@ -3288,7 +3288,7 @@
           <a:p>
             <a:fld id="{569B09DC-DBCF-419E-A8D6-8BF4E7A634C3}" type="datetimeFigureOut">
               <a:rPr lang="fr-FR" smtClean="0"/>
-              <a:t>11/06/2025</a:t>
+              <a:t>02/07/2025</a:t>
             </a:fld>
             <a:endParaRPr lang="fr-FR"/>
           </a:p>
@@ -4247,10 +4247,10 @@
       </p:grpSpPr>
       <p:pic>
         <p:nvPicPr>
-          <p:cNvPr id="6" name="Image 5">
-            <a:extLst>
-              <a:ext uri="{FF2B5EF4-FFF2-40B4-BE49-F238E27FC236}">
-                <a16:creationId xmlns:a16="http://schemas.microsoft.com/office/drawing/2014/main" id="{6F868C7D-0B23-318A-1CD7-8BADF076D641}"/>
+          <p:cNvPr id="3" name="Image 2">
+            <a:extLst>
+              <a:ext uri="{FF2B5EF4-FFF2-40B4-BE49-F238E27FC236}">
+                <a16:creationId xmlns:a16="http://schemas.microsoft.com/office/drawing/2014/main" id="{219727FC-734E-BDAD-89F7-FFE25625FF95}"/>
               </a:ext>
             </a:extLst>
           </p:cNvPr>
@@ -4267,8 +4267,8 @@
         </p:blipFill>
         <p:spPr>
           <a:xfrm>
-            <a:off x="2918360" y="0"/>
-            <a:ext cx="6355280" cy="6858000"/>
+            <a:off x="3092722" y="0"/>
+            <a:ext cx="6006555" cy="6858000"/>
           </a:xfrm>
           <a:prstGeom prst="rect">
             <a:avLst/>
@@ -4398,7 +4398,7 @@
                   <a:srgbClr val="69B42E"/>
                 </a:solidFill>
               </a:rPr>
-              <a:t>Module 5 : KPI Tableau de bord RH</a:t>
+              <a:t>Module 5 : KPI Tableau de bord RH et suivi du budget</a:t>
             </a:r>
           </a:p>
         </p:txBody>
@@ -4442,6 +4442,99 @@
 </file>
 
 <file path=ppt/slides/slide20.xml><?xml version="1.0" encoding="utf-8"?>
+<p:sld xmlns:a="http://schemas.openxmlformats.org/drawingml/2006/main" xmlns:r="http://schemas.openxmlformats.org/officeDocument/2006/relationships" xmlns:p="http://schemas.openxmlformats.org/presentationml/2006/main">
+  <p:cSld>
+    <p:spTree>
+      <p:nvGrpSpPr>
+        <p:cNvPr id="1" name="">
+          <a:extLst>
+            <a:ext uri="{FF2B5EF4-FFF2-40B4-BE49-F238E27FC236}">
+              <a16:creationId xmlns:a16="http://schemas.microsoft.com/office/drawing/2014/main" id="{BD84824E-32CA-97E0-A1AB-453423102981}"/>
+            </a:ext>
+          </a:extLst>
+        </p:cNvPr>
+        <p:cNvGrpSpPr/>
+        <p:nvPr/>
+      </p:nvGrpSpPr>
+      <p:grpSpPr>
+        <a:xfrm>
+          <a:off x="0" y="0"/>
+          <a:ext cx="0" cy="0"/>
+          <a:chOff x="0" y="0"/>
+          <a:chExt cx="0" cy="0"/>
+        </a:xfrm>
+      </p:grpSpPr>
+      <p:sp>
+        <p:nvSpPr>
+          <p:cNvPr id="2" name="Titre 1">
+            <a:extLst>
+              <a:ext uri="{FF2B5EF4-FFF2-40B4-BE49-F238E27FC236}">
+                <a16:creationId xmlns:a16="http://schemas.microsoft.com/office/drawing/2014/main" id="{5C425227-29F4-7549-A129-B2C62939707C}"/>
+              </a:ext>
+            </a:extLst>
+          </p:cNvPr>
+          <p:cNvSpPr>
+            <a:spLocks noGrp="1"/>
+          </p:cNvSpPr>
+          <p:nvPr>
+            <p:ph type="ctrTitle"/>
+          </p:nvPr>
+        </p:nvSpPr>
+        <p:spPr/>
+        <p:txBody>
+          <a:bodyPr/>
+          <a:lstStyle/>
+          <a:p>
+            <a:r>
+              <a:rPr lang="fr-FR" dirty="0">
+                <a:solidFill>
+                  <a:srgbClr val="69B42E"/>
+                </a:solidFill>
+              </a:rPr>
+              <a:t>Module 4 : GED</a:t>
+            </a:r>
+          </a:p>
+        </p:txBody>
+      </p:sp>
+      <p:sp>
+        <p:nvSpPr>
+          <p:cNvPr id="3" name="Sous-titre 2">
+            <a:extLst>
+              <a:ext uri="{FF2B5EF4-FFF2-40B4-BE49-F238E27FC236}">
+                <a16:creationId xmlns:a16="http://schemas.microsoft.com/office/drawing/2014/main" id="{EDD28FD7-1E2D-6DC8-D176-8700DD373743}"/>
+              </a:ext>
+            </a:extLst>
+          </p:cNvPr>
+          <p:cNvSpPr>
+            <a:spLocks noGrp="1"/>
+          </p:cNvSpPr>
+          <p:nvPr>
+            <p:ph type="subTitle" idx="1"/>
+          </p:nvPr>
+        </p:nvSpPr>
+        <p:spPr/>
+        <p:txBody>
+          <a:bodyPr/>
+          <a:lstStyle/>
+          <a:p>
+            <a:endParaRPr lang="fr-FR" dirty="0"/>
+          </a:p>
+        </p:txBody>
+      </p:sp>
+    </p:spTree>
+    <p:extLst>
+      <p:ext uri="{BB962C8B-B14F-4D97-AF65-F5344CB8AC3E}">
+        <p14:creationId xmlns:p14="http://schemas.microsoft.com/office/powerpoint/2010/main" val="1817693733"/>
+      </p:ext>
+    </p:extLst>
+  </p:cSld>
+  <p:clrMapOvr>
+    <a:masterClrMapping/>
+  </p:clrMapOvr>
+</p:sld>
+</file>
+
+<file path=ppt/slides/slide21.xml><?xml version="1.0" encoding="utf-8"?>
 <p:sld xmlns:a="http://schemas.openxmlformats.org/drawingml/2006/main" xmlns:r="http://schemas.openxmlformats.org/officeDocument/2006/relationships" xmlns:p="http://schemas.openxmlformats.org/presentationml/2006/main">
   <p:cSld>
     <p:spTree>
@@ -4534,7 +4627,7 @@
 </p:sld>
 </file>
 
-<file path=ppt/slides/slide21.xml><?xml version="1.0" encoding="utf-8"?>
+<file path=ppt/slides/slide22.xml><?xml version="1.0" encoding="utf-8"?>
 <p:sld xmlns:a="http://schemas.openxmlformats.org/drawingml/2006/main" xmlns:r="http://schemas.openxmlformats.org/officeDocument/2006/relationships" xmlns:p="http://schemas.openxmlformats.org/presentationml/2006/main">
   <p:cSld>
     <p:spTree>
@@ -4594,7 +4687,7 @@
 </p:sld>
 </file>
 
-<file path=ppt/slides/slide22.xml><?xml version="1.0" encoding="utf-8"?>
+<file path=ppt/slides/slide23.xml><?xml version="1.0" encoding="utf-8"?>
 <p:sld xmlns:a="http://schemas.openxmlformats.org/drawingml/2006/main" xmlns:r="http://schemas.openxmlformats.org/officeDocument/2006/relationships" xmlns:p="http://schemas.openxmlformats.org/presentationml/2006/main">
   <p:cSld>
     <p:spTree>
@@ -4654,7 +4747,7 @@
 </p:sld>
 </file>
 
-<file path=ppt/slides/slide23.xml><?xml version="1.0" encoding="utf-8"?>
+<file path=ppt/slides/slide24.xml><?xml version="1.0" encoding="utf-8"?>
 <p:sld xmlns:a="http://schemas.openxmlformats.org/drawingml/2006/main" xmlns:r="http://schemas.openxmlformats.org/officeDocument/2006/relationships" xmlns:p="http://schemas.openxmlformats.org/presentationml/2006/main">
   <p:cSld>
     <p:spTree>
@@ -4714,7 +4807,7 @@
 </p:sld>
 </file>
 
-<file path=ppt/slides/slide24.xml><?xml version="1.0" encoding="utf-8"?>
+<file path=ppt/slides/slide25.xml><?xml version="1.0" encoding="utf-8"?>
 <p:sld xmlns:a="http://schemas.openxmlformats.org/drawingml/2006/main" xmlns:r="http://schemas.openxmlformats.org/officeDocument/2006/relationships" xmlns:p="http://schemas.openxmlformats.org/presentationml/2006/main">
   <p:cSld>
     <p:spTree>
@@ -4774,7 +4867,7 @@
 </p:sld>
 </file>
 
-<file path=ppt/slides/slide25.xml><?xml version="1.0" encoding="utf-8"?>
+<file path=ppt/slides/slide26.xml><?xml version="1.0" encoding="utf-8"?>
 <p:sld xmlns:a="http://schemas.openxmlformats.org/drawingml/2006/main" xmlns:r="http://schemas.openxmlformats.org/officeDocument/2006/relationships" xmlns:p="http://schemas.openxmlformats.org/presentationml/2006/main">
   <p:cSld>
     <p:spTree>
@@ -4834,7 +4927,7 @@
 </p:sld>
 </file>
 
-<file path=ppt/slides/slide26.xml><?xml version="1.0" encoding="utf-8"?>
+<file path=ppt/slides/slide27.xml><?xml version="1.0" encoding="utf-8"?>
 <p:sld xmlns:a="http://schemas.openxmlformats.org/drawingml/2006/main" xmlns:r="http://schemas.openxmlformats.org/officeDocument/2006/relationships" xmlns:p="http://schemas.openxmlformats.org/presentationml/2006/main">
   <p:cSld>
     <p:spTree>
@@ -4885,99 +4978,6 @@
     <p:extLst>
       <p:ext uri="{BB962C8B-B14F-4D97-AF65-F5344CB8AC3E}">
         <p14:creationId xmlns:p14="http://schemas.microsoft.com/office/powerpoint/2010/main" val="1173084779"/>
-      </p:ext>
-    </p:extLst>
-  </p:cSld>
-  <p:clrMapOvr>
-    <a:masterClrMapping/>
-  </p:clrMapOvr>
-</p:sld>
-</file>
-
-<file path=ppt/slides/slide27.xml><?xml version="1.0" encoding="utf-8"?>
-<p:sld xmlns:a="http://schemas.openxmlformats.org/drawingml/2006/main" xmlns:r="http://schemas.openxmlformats.org/officeDocument/2006/relationships" xmlns:p="http://schemas.openxmlformats.org/presentationml/2006/main">
-  <p:cSld>
-    <p:spTree>
-      <p:nvGrpSpPr>
-        <p:cNvPr id="1" name="">
-          <a:extLst>
-            <a:ext uri="{FF2B5EF4-FFF2-40B4-BE49-F238E27FC236}">
-              <a16:creationId xmlns:a16="http://schemas.microsoft.com/office/drawing/2014/main" id="{BD84824E-32CA-97E0-A1AB-453423102981}"/>
-            </a:ext>
-          </a:extLst>
-        </p:cNvPr>
-        <p:cNvGrpSpPr/>
-        <p:nvPr/>
-      </p:nvGrpSpPr>
-      <p:grpSpPr>
-        <a:xfrm>
-          <a:off x="0" y="0"/>
-          <a:ext cx="0" cy="0"/>
-          <a:chOff x="0" y="0"/>
-          <a:chExt cx="0" cy="0"/>
-        </a:xfrm>
-      </p:grpSpPr>
-      <p:sp>
-        <p:nvSpPr>
-          <p:cNvPr id="2" name="Titre 1">
-            <a:extLst>
-              <a:ext uri="{FF2B5EF4-FFF2-40B4-BE49-F238E27FC236}">
-                <a16:creationId xmlns:a16="http://schemas.microsoft.com/office/drawing/2014/main" id="{5C425227-29F4-7549-A129-B2C62939707C}"/>
-              </a:ext>
-            </a:extLst>
-          </p:cNvPr>
-          <p:cNvSpPr>
-            <a:spLocks noGrp="1"/>
-          </p:cNvSpPr>
-          <p:nvPr>
-            <p:ph type="ctrTitle"/>
-          </p:nvPr>
-        </p:nvSpPr>
-        <p:spPr/>
-        <p:txBody>
-          <a:bodyPr/>
-          <a:lstStyle/>
-          <a:p>
-            <a:r>
-              <a:rPr lang="fr-FR" dirty="0">
-                <a:solidFill>
-                  <a:srgbClr val="69B42E"/>
-                </a:solidFill>
-              </a:rPr>
-              <a:t>Module 4 : GED</a:t>
-            </a:r>
-          </a:p>
-        </p:txBody>
-      </p:sp>
-      <p:sp>
-        <p:nvSpPr>
-          <p:cNvPr id="3" name="Sous-titre 2">
-            <a:extLst>
-              <a:ext uri="{FF2B5EF4-FFF2-40B4-BE49-F238E27FC236}">
-                <a16:creationId xmlns:a16="http://schemas.microsoft.com/office/drawing/2014/main" id="{EDD28FD7-1E2D-6DC8-D176-8700DD373743}"/>
-              </a:ext>
-            </a:extLst>
-          </p:cNvPr>
-          <p:cNvSpPr>
-            <a:spLocks noGrp="1"/>
-          </p:cNvSpPr>
-          <p:nvPr>
-            <p:ph type="subTitle" idx="1"/>
-          </p:nvPr>
-        </p:nvSpPr>
-        <p:spPr/>
-        <p:txBody>
-          <a:bodyPr/>
-          <a:lstStyle/>
-          <a:p>
-            <a:endParaRPr lang="fr-FR" dirty="0"/>
-          </a:p>
-        </p:txBody>
-      </p:sp>
-    </p:spTree>
-    <p:extLst>
-      <p:ext uri="{BB962C8B-B14F-4D97-AF65-F5344CB8AC3E}">
-        <p14:creationId xmlns:p14="http://schemas.microsoft.com/office/powerpoint/2010/main" val="1817693733"/>
       </p:ext>
     </p:extLst>
   </p:cSld>

--- a/TODO/Conception/Maquette/maquette.pptx
+++ b/TODO/Conception/Maquette/maquette.pptx
@@ -5,7 +5,7 @@
     <p:sldMasterId id="2147483648" r:id="rId1"/>
   </p:sldMasterIdLst>
   <p:notesMasterIdLst>
-    <p:notesMasterId r:id="rId30"/>
+    <p:notesMasterId r:id="rId36"/>
   </p:notesMasterIdLst>
   <p:sldIdLst>
     <p:sldId id="277" r:id="rId2"/>
@@ -36,6 +36,12 @@
     <p:sldId id="274" r:id="rId27"/>
     <p:sldId id="275" r:id="rId28"/>
     <p:sldId id="276" r:id="rId29"/>
+    <p:sldId id="287" r:id="rId30"/>
+    <p:sldId id="288" r:id="rId31"/>
+    <p:sldId id="289" r:id="rId32"/>
+    <p:sldId id="290" r:id="rId33"/>
+    <p:sldId id="291" r:id="rId34"/>
+    <p:sldId id="292" r:id="rId35"/>
   </p:sldIdLst>
   <p:sldSz cx="12192000" cy="6858000"/>
   <p:notesSz cx="6858000" cy="9144000"/>
@@ -5080,6 +5086,66 @@
 </p:sld>
 </file>
 
+<file path=ppt/slides/slide29.xml><?xml version="1.0" encoding="utf-8"?>
+<p:sld xmlns:a="http://schemas.openxmlformats.org/drawingml/2006/main" xmlns:r="http://schemas.openxmlformats.org/officeDocument/2006/relationships" xmlns:p="http://schemas.openxmlformats.org/presentationml/2006/main">
+  <p:cSld>
+    <p:spTree>
+      <p:nvGrpSpPr>
+        <p:cNvPr id="1" name=""/>
+        <p:cNvGrpSpPr/>
+        <p:nvPr/>
+      </p:nvGrpSpPr>
+      <p:grpSpPr>
+        <a:xfrm>
+          <a:off x="0" y="0"/>
+          <a:ext cx="0" cy="0"/>
+          <a:chOff x="0" y="0"/>
+          <a:chExt cx="0" cy="0"/>
+        </a:xfrm>
+      </p:grpSpPr>
+      <p:pic>
+        <p:nvPicPr>
+          <p:cNvPr id="3" name="Image 2">
+            <a:extLst>
+              <a:ext uri="{FF2B5EF4-FFF2-40B4-BE49-F238E27FC236}">
+                <a16:creationId xmlns:a16="http://schemas.microsoft.com/office/drawing/2014/main" id="{8C05F698-6DC7-BC38-FB62-02E7497E6781}"/>
+              </a:ext>
+            </a:extLst>
+          </p:cNvPr>
+          <p:cNvPicPr>
+            <a:picLocks noChangeAspect="1"/>
+          </p:cNvPicPr>
+          <p:nvPr/>
+        </p:nvPicPr>
+        <p:blipFill>
+          <a:blip r:embed="rId2"/>
+          <a:stretch>
+            <a:fillRect/>
+          </a:stretch>
+        </p:blipFill>
+        <p:spPr>
+          <a:xfrm>
+            <a:off x="2228407" y="0"/>
+            <a:ext cx="7735186" cy="6858000"/>
+          </a:xfrm>
+          <a:prstGeom prst="rect">
+            <a:avLst/>
+          </a:prstGeom>
+        </p:spPr>
+      </p:pic>
+    </p:spTree>
+    <p:extLst>
+      <p:ext uri="{BB962C8B-B14F-4D97-AF65-F5344CB8AC3E}">
+        <p14:creationId xmlns:p14="http://schemas.microsoft.com/office/powerpoint/2010/main" val="3577766797"/>
+      </p:ext>
+    </p:extLst>
+  </p:cSld>
+  <p:clrMapOvr>
+    <a:masterClrMapping/>
+  </p:clrMapOvr>
+</p:sld>
+</file>
+
 <file path=ppt/slides/slide3.xml><?xml version="1.0" encoding="utf-8"?>
 <p:sld xmlns:a="http://schemas.openxmlformats.org/drawingml/2006/main" xmlns:r="http://schemas.openxmlformats.org/officeDocument/2006/relationships" xmlns:p="http://schemas.openxmlformats.org/presentationml/2006/main">
   <p:cSld>
@@ -5158,6 +5224,306 @@
     <p:extLst>
       <p:ext uri="{BB962C8B-B14F-4D97-AF65-F5344CB8AC3E}">
         <p14:creationId xmlns:p14="http://schemas.microsoft.com/office/powerpoint/2010/main" val="4023056572"/>
+      </p:ext>
+    </p:extLst>
+  </p:cSld>
+  <p:clrMapOvr>
+    <a:masterClrMapping/>
+  </p:clrMapOvr>
+</p:sld>
+</file>
+
+<file path=ppt/slides/slide30.xml><?xml version="1.0" encoding="utf-8"?>
+<p:sld xmlns:a="http://schemas.openxmlformats.org/drawingml/2006/main" xmlns:r="http://schemas.openxmlformats.org/officeDocument/2006/relationships" xmlns:p="http://schemas.openxmlformats.org/presentationml/2006/main">
+  <p:cSld>
+    <p:spTree>
+      <p:nvGrpSpPr>
+        <p:cNvPr id="1" name=""/>
+        <p:cNvGrpSpPr/>
+        <p:nvPr/>
+      </p:nvGrpSpPr>
+      <p:grpSpPr>
+        <a:xfrm>
+          <a:off x="0" y="0"/>
+          <a:ext cx="0" cy="0"/>
+          <a:chOff x="0" y="0"/>
+          <a:chExt cx="0" cy="0"/>
+        </a:xfrm>
+      </p:grpSpPr>
+      <p:pic>
+        <p:nvPicPr>
+          <p:cNvPr id="3" name="Image 2">
+            <a:extLst>
+              <a:ext uri="{FF2B5EF4-FFF2-40B4-BE49-F238E27FC236}">
+                <a16:creationId xmlns:a16="http://schemas.microsoft.com/office/drawing/2014/main" id="{A9777857-6267-8625-28F0-004A6786EB0E}"/>
+              </a:ext>
+            </a:extLst>
+          </p:cNvPr>
+          <p:cNvPicPr>
+            <a:picLocks noChangeAspect="1"/>
+          </p:cNvPicPr>
+          <p:nvPr/>
+        </p:nvPicPr>
+        <p:blipFill>
+          <a:blip r:embed="rId2"/>
+          <a:stretch>
+            <a:fillRect/>
+          </a:stretch>
+        </p:blipFill>
+        <p:spPr>
+          <a:xfrm>
+            <a:off x="1983612" y="0"/>
+            <a:ext cx="8224776" cy="6858000"/>
+          </a:xfrm>
+          <a:prstGeom prst="rect">
+            <a:avLst/>
+          </a:prstGeom>
+        </p:spPr>
+      </p:pic>
+    </p:spTree>
+    <p:extLst>
+      <p:ext uri="{BB962C8B-B14F-4D97-AF65-F5344CB8AC3E}">
+        <p14:creationId xmlns:p14="http://schemas.microsoft.com/office/powerpoint/2010/main" val="3516012881"/>
+      </p:ext>
+    </p:extLst>
+  </p:cSld>
+  <p:clrMapOvr>
+    <a:masterClrMapping/>
+  </p:clrMapOvr>
+</p:sld>
+</file>
+
+<file path=ppt/slides/slide31.xml><?xml version="1.0" encoding="utf-8"?>
+<p:sld xmlns:a="http://schemas.openxmlformats.org/drawingml/2006/main" xmlns:r="http://schemas.openxmlformats.org/officeDocument/2006/relationships" xmlns:p="http://schemas.openxmlformats.org/presentationml/2006/main">
+  <p:cSld>
+    <p:spTree>
+      <p:nvGrpSpPr>
+        <p:cNvPr id="1" name=""/>
+        <p:cNvGrpSpPr/>
+        <p:nvPr/>
+      </p:nvGrpSpPr>
+      <p:grpSpPr>
+        <a:xfrm>
+          <a:off x="0" y="0"/>
+          <a:ext cx="0" cy="0"/>
+          <a:chOff x="0" y="0"/>
+          <a:chExt cx="0" cy="0"/>
+        </a:xfrm>
+      </p:grpSpPr>
+      <p:pic>
+        <p:nvPicPr>
+          <p:cNvPr id="3" name="Image 2">
+            <a:extLst>
+              <a:ext uri="{FF2B5EF4-FFF2-40B4-BE49-F238E27FC236}">
+                <a16:creationId xmlns:a16="http://schemas.microsoft.com/office/drawing/2014/main" id="{AEDEED65-F117-B1A3-5609-0F53ACBB59AE}"/>
+              </a:ext>
+            </a:extLst>
+          </p:cNvPr>
+          <p:cNvPicPr>
+            <a:picLocks noChangeAspect="1"/>
+          </p:cNvPicPr>
+          <p:nvPr/>
+        </p:nvPicPr>
+        <p:blipFill>
+          <a:blip r:embed="rId2"/>
+          <a:stretch>
+            <a:fillRect/>
+          </a:stretch>
+        </p:blipFill>
+        <p:spPr>
+          <a:xfrm>
+            <a:off x="2189188" y="0"/>
+            <a:ext cx="7813623" cy="6858000"/>
+          </a:xfrm>
+          <a:prstGeom prst="rect">
+            <a:avLst/>
+          </a:prstGeom>
+        </p:spPr>
+      </p:pic>
+    </p:spTree>
+    <p:extLst>
+      <p:ext uri="{BB962C8B-B14F-4D97-AF65-F5344CB8AC3E}">
+        <p14:creationId xmlns:p14="http://schemas.microsoft.com/office/powerpoint/2010/main" val="2340871153"/>
+      </p:ext>
+    </p:extLst>
+  </p:cSld>
+  <p:clrMapOvr>
+    <a:masterClrMapping/>
+  </p:clrMapOvr>
+</p:sld>
+</file>
+
+<file path=ppt/slides/slide32.xml><?xml version="1.0" encoding="utf-8"?>
+<p:sld xmlns:a="http://schemas.openxmlformats.org/drawingml/2006/main" xmlns:r="http://schemas.openxmlformats.org/officeDocument/2006/relationships" xmlns:p="http://schemas.openxmlformats.org/presentationml/2006/main">
+  <p:cSld>
+    <p:spTree>
+      <p:nvGrpSpPr>
+        <p:cNvPr id="1" name=""/>
+        <p:cNvGrpSpPr/>
+        <p:nvPr/>
+      </p:nvGrpSpPr>
+      <p:grpSpPr>
+        <a:xfrm>
+          <a:off x="0" y="0"/>
+          <a:ext cx="0" cy="0"/>
+          <a:chOff x="0" y="0"/>
+          <a:chExt cx="0" cy="0"/>
+        </a:xfrm>
+      </p:grpSpPr>
+      <p:pic>
+        <p:nvPicPr>
+          <p:cNvPr id="3" name="Image 2">
+            <a:extLst>
+              <a:ext uri="{FF2B5EF4-FFF2-40B4-BE49-F238E27FC236}">
+                <a16:creationId xmlns:a16="http://schemas.microsoft.com/office/drawing/2014/main" id="{A14AFE44-0C59-54E8-B4F8-62B78875B4A5}"/>
+              </a:ext>
+            </a:extLst>
+          </p:cNvPr>
+          <p:cNvPicPr>
+            <a:picLocks noChangeAspect="1"/>
+          </p:cNvPicPr>
+          <p:nvPr/>
+        </p:nvPicPr>
+        <p:blipFill>
+          <a:blip r:embed="rId2"/>
+          <a:stretch>
+            <a:fillRect/>
+          </a:stretch>
+        </p:blipFill>
+        <p:spPr>
+          <a:xfrm>
+            <a:off x="2128960" y="0"/>
+            <a:ext cx="7934080" cy="6858000"/>
+          </a:xfrm>
+          <a:prstGeom prst="rect">
+            <a:avLst/>
+          </a:prstGeom>
+        </p:spPr>
+      </p:pic>
+    </p:spTree>
+    <p:extLst>
+      <p:ext uri="{BB962C8B-B14F-4D97-AF65-F5344CB8AC3E}">
+        <p14:creationId xmlns:p14="http://schemas.microsoft.com/office/powerpoint/2010/main" val="1306170483"/>
+      </p:ext>
+    </p:extLst>
+  </p:cSld>
+  <p:clrMapOvr>
+    <a:masterClrMapping/>
+  </p:clrMapOvr>
+</p:sld>
+</file>
+
+<file path=ppt/slides/slide33.xml><?xml version="1.0" encoding="utf-8"?>
+<p:sld xmlns:a="http://schemas.openxmlformats.org/drawingml/2006/main" xmlns:r="http://schemas.openxmlformats.org/officeDocument/2006/relationships" xmlns:p="http://schemas.openxmlformats.org/presentationml/2006/main">
+  <p:cSld>
+    <p:spTree>
+      <p:nvGrpSpPr>
+        <p:cNvPr id="1" name=""/>
+        <p:cNvGrpSpPr/>
+        <p:nvPr/>
+      </p:nvGrpSpPr>
+      <p:grpSpPr>
+        <a:xfrm>
+          <a:off x="0" y="0"/>
+          <a:ext cx="0" cy="0"/>
+          <a:chOff x="0" y="0"/>
+          <a:chExt cx="0" cy="0"/>
+        </a:xfrm>
+      </p:grpSpPr>
+      <p:pic>
+        <p:nvPicPr>
+          <p:cNvPr id="3" name="Image 2">
+            <a:extLst>
+              <a:ext uri="{FF2B5EF4-FFF2-40B4-BE49-F238E27FC236}">
+                <a16:creationId xmlns:a16="http://schemas.microsoft.com/office/drawing/2014/main" id="{6A7C0578-F138-FC81-BABA-701B03842669}"/>
+              </a:ext>
+            </a:extLst>
+          </p:cNvPr>
+          <p:cNvPicPr>
+            <a:picLocks noChangeAspect="1"/>
+          </p:cNvPicPr>
+          <p:nvPr/>
+        </p:nvPicPr>
+        <p:blipFill>
+          <a:blip r:embed="rId2"/>
+          <a:stretch>
+            <a:fillRect/>
+          </a:stretch>
+        </p:blipFill>
+        <p:spPr>
+          <a:xfrm>
+            <a:off x="2113147" y="0"/>
+            <a:ext cx="7965705" cy="6858000"/>
+          </a:xfrm>
+          <a:prstGeom prst="rect">
+            <a:avLst/>
+          </a:prstGeom>
+        </p:spPr>
+      </p:pic>
+    </p:spTree>
+    <p:extLst>
+      <p:ext uri="{BB962C8B-B14F-4D97-AF65-F5344CB8AC3E}">
+        <p14:creationId xmlns:p14="http://schemas.microsoft.com/office/powerpoint/2010/main" val="501615381"/>
+      </p:ext>
+    </p:extLst>
+  </p:cSld>
+  <p:clrMapOvr>
+    <a:masterClrMapping/>
+  </p:clrMapOvr>
+</p:sld>
+</file>
+
+<file path=ppt/slides/slide34.xml><?xml version="1.0" encoding="utf-8"?>
+<p:sld xmlns:a="http://schemas.openxmlformats.org/drawingml/2006/main" xmlns:r="http://schemas.openxmlformats.org/officeDocument/2006/relationships" xmlns:p="http://schemas.openxmlformats.org/presentationml/2006/main">
+  <p:cSld>
+    <p:spTree>
+      <p:nvGrpSpPr>
+        <p:cNvPr id="1" name=""/>
+        <p:cNvGrpSpPr/>
+        <p:nvPr/>
+      </p:nvGrpSpPr>
+      <p:grpSpPr>
+        <a:xfrm>
+          <a:off x="0" y="0"/>
+          <a:ext cx="0" cy="0"/>
+          <a:chOff x="0" y="0"/>
+          <a:chExt cx="0" cy="0"/>
+        </a:xfrm>
+      </p:grpSpPr>
+      <p:pic>
+        <p:nvPicPr>
+          <p:cNvPr id="3" name="Image 2">
+            <a:extLst>
+              <a:ext uri="{FF2B5EF4-FFF2-40B4-BE49-F238E27FC236}">
+                <a16:creationId xmlns:a16="http://schemas.microsoft.com/office/drawing/2014/main" id="{61CD361B-CA41-26F7-DE71-BAED66337356}"/>
+              </a:ext>
+            </a:extLst>
+          </p:cNvPr>
+          <p:cNvPicPr>
+            <a:picLocks noChangeAspect="1"/>
+          </p:cNvPicPr>
+          <p:nvPr/>
+        </p:nvPicPr>
+        <p:blipFill>
+          <a:blip r:embed="rId2"/>
+          <a:stretch>
+            <a:fillRect/>
+          </a:stretch>
+        </p:blipFill>
+        <p:spPr>
+          <a:xfrm>
+            <a:off x="2351276" y="0"/>
+            <a:ext cx="7489448" cy="6858000"/>
+          </a:xfrm>
+          <a:prstGeom prst="rect">
+            <a:avLst/>
+          </a:prstGeom>
+        </p:spPr>
+      </p:pic>
+    </p:spTree>
+    <p:extLst>
+      <p:ext uri="{BB962C8B-B14F-4D97-AF65-F5344CB8AC3E}">
+        <p14:creationId xmlns:p14="http://schemas.microsoft.com/office/powerpoint/2010/main" val="3080433912"/>
       </p:ext>
     </p:extLst>
   </p:cSld>
